--- a/Material Teorico/Clase_01_Introduccion_HTML/1. Introducción HTML.pptx
+++ b/Material Teorico/Clase_01_Introduccion_HTML/1. Introducción HTML.pptx
@@ -14570,18 +14570,10 @@
               <a:buNone/>
             </a:pPr>
             <a:r>
-              <a:rPr b="1" lang="es">
-                <a:solidFill>
-                  <a:srgbClr val="F9F9F9"/>
-                </a:solidFill>
-              </a:rPr>
+              <a:rPr b="1" lang="es"/>
               <a:t>Introducción HTML</a:t>
             </a:r>
-            <a:endParaRPr b="1">
-              <a:solidFill>
-                <a:srgbClr val="F9F9F9"/>
-              </a:solidFill>
-            </a:endParaRPr>
+            <a:endParaRPr b="1"/>
           </a:p>
           <a:p>
             <a:pPr indent="0" lvl="0" marL="0" rtl="0" algn="l">
@@ -14612,18 +14604,10 @@
               <a:buNone/>
             </a:pPr>
             <a:r>
-              <a:rPr b="1" lang="es">
-                <a:solidFill>
-                  <a:srgbClr val="F9F9F9"/>
-                </a:solidFill>
-              </a:rPr>
+              <a:rPr b="1" lang="es"/>
               <a:t>      Estructura Inicial</a:t>
             </a:r>
-            <a:endParaRPr b="1">
-              <a:solidFill>
-                <a:srgbClr val="F9F9F9"/>
-              </a:solidFill>
-            </a:endParaRPr>
+            <a:endParaRPr b="1"/>
           </a:p>
           <a:p>
             <a:pPr indent="0" lvl="0" marL="0" rtl="0" algn="l">
@@ -14644,18 +14628,10 @@
               <a:buNone/>
             </a:pPr>
             <a:r>
-              <a:rPr b="1" lang="es">
-                <a:solidFill>
-                  <a:srgbClr val="F9F9F9"/>
-                </a:solidFill>
-              </a:rPr>
+              <a:rPr b="1" lang="es"/>
               <a:t>      Etiquetas Semánticas</a:t>
             </a:r>
-            <a:endParaRPr b="1">
-              <a:solidFill>
-                <a:srgbClr val="F9F9F9"/>
-              </a:solidFill>
-            </a:endParaRPr>
+            <a:endParaRPr b="1"/>
           </a:p>
           <a:p>
             <a:pPr indent="0" lvl="0" marL="0" rtl="0" algn="l">
@@ -14671,18 +14647,10 @@
               <a:buNone/>
             </a:pPr>
             <a:r>
-              <a:rPr b="1" lang="es">
-                <a:solidFill>
-                  <a:srgbClr val="F9F9F9"/>
-                </a:solidFill>
-              </a:rPr>
+              <a:rPr b="1" lang="es"/>
               <a:t>      Encabezados</a:t>
             </a:r>
-            <a:endParaRPr b="1">
-              <a:solidFill>
-                <a:srgbClr val="F9F9F9"/>
-              </a:solidFill>
-            </a:endParaRPr>
+            <a:endParaRPr b="1"/>
           </a:p>
           <a:p>
             <a:pPr indent="0" lvl="0" marL="0" rtl="0" algn="l">
@@ -14698,18 +14666,10 @@
               <a:buNone/>
             </a:pPr>
             <a:r>
-              <a:rPr b="1" lang="es">
-                <a:solidFill>
-                  <a:srgbClr val="F9F9F9"/>
-                </a:solidFill>
-              </a:rPr>
+              <a:rPr b="1" lang="es"/>
               <a:t>      Etiquetas básicas</a:t>
             </a:r>
-            <a:endParaRPr b="1">
-              <a:solidFill>
-                <a:srgbClr val="F9F9F9"/>
-              </a:solidFill>
-            </a:endParaRPr>
+            <a:endParaRPr b="1"/>
           </a:p>
           <a:p>
             <a:pPr indent="0" lvl="0" marL="0" rtl="0" algn="l">
